--- a/sql_structure.pptx
+++ b/sql_structure.pptx
@@ -6,6 +6,7 @@
   </p:sldMasterIdLst>
   <p:sldIdLst>
     <p:sldId id="256" r:id="rId2"/>
+    <p:sldId id="257" r:id="rId3"/>
   </p:sldIdLst>
   <p:sldSz cx="12192000" cy="6858000"/>
   <p:notesSz cx="6858000" cy="9144000"/>
@@ -104,6 +105,11 @@
       </a:defRPr>
     </a:lvl9pPr>
   </p:defaultTextStyle>
+  <p:extLst>
+    <p:ext uri="{EFAFB233-063F-42B5-8137-9DF3F51BA10A}">
+      <p15:sldGuideLst xmlns:p15="http://schemas.microsoft.com/office/powerpoint/2012/main"/>
+    </p:ext>
+  </p:extLst>
 </p:presentation>
 </file>
 
@@ -256,7 +262,7 @@
           <a:p>
             <a:fld id="{3B4175D8-21FE-1141-A8BD-839253E5DE05}" type="datetimeFigureOut">
               <a:rPr lang="es-ES_tradnl" smtClean="0"/>
-              <a:t>20/1/23</a:t>
+              <a:t>27/1/23</a:t>
             </a:fld>
             <a:endParaRPr lang="es-ES_tradnl"/>
           </a:p>
@@ -456,7 +462,7 @@
           <a:p>
             <a:fld id="{3B4175D8-21FE-1141-A8BD-839253E5DE05}" type="datetimeFigureOut">
               <a:rPr lang="es-ES_tradnl" smtClean="0"/>
-              <a:t>20/1/23</a:t>
+              <a:t>27/1/23</a:t>
             </a:fld>
             <a:endParaRPr lang="es-ES_tradnl"/>
           </a:p>
@@ -666,7 +672,7 @@
           <a:p>
             <a:fld id="{3B4175D8-21FE-1141-A8BD-839253E5DE05}" type="datetimeFigureOut">
               <a:rPr lang="es-ES_tradnl" smtClean="0"/>
-              <a:t>20/1/23</a:t>
+              <a:t>27/1/23</a:t>
             </a:fld>
             <a:endParaRPr lang="es-ES_tradnl"/>
           </a:p>
@@ -866,7 +872,7 @@
           <a:p>
             <a:fld id="{3B4175D8-21FE-1141-A8BD-839253E5DE05}" type="datetimeFigureOut">
               <a:rPr lang="es-ES_tradnl" smtClean="0"/>
-              <a:t>20/1/23</a:t>
+              <a:t>27/1/23</a:t>
             </a:fld>
             <a:endParaRPr lang="es-ES_tradnl"/>
           </a:p>
@@ -1142,7 +1148,7 @@
           <a:p>
             <a:fld id="{3B4175D8-21FE-1141-A8BD-839253E5DE05}" type="datetimeFigureOut">
               <a:rPr lang="es-ES_tradnl" smtClean="0"/>
-              <a:t>20/1/23</a:t>
+              <a:t>27/1/23</a:t>
             </a:fld>
             <a:endParaRPr lang="es-ES_tradnl"/>
           </a:p>
@@ -1410,7 +1416,7 @@
           <a:p>
             <a:fld id="{3B4175D8-21FE-1141-A8BD-839253E5DE05}" type="datetimeFigureOut">
               <a:rPr lang="es-ES_tradnl" smtClean="0"/>
-              <a:t>20/1/23</a:t>
+              <a:t>27/1/23</a:t>
             </a:fld>
             <a:endParaRPr lang="es-ES_tradnl"/>
           </a:p>
@@ -1825,7 +1831,7 @@
           <a:p>
             <a:fld id="{3B4175D8-21FE-1141-A8BD-839253E5DE05}" type="datetimeFigureOut">
               <a:rPr lang="es-ES_tradnl" smtClean="0"/>
-              <a:t>20/1/23</a:t>
+              <a:t>27/1/23</a:t>
             </a:fld>
             <a:endParaRPr lang="es-ES_tradnl"/>
           </a:p>
@@ -1967,7 +1973,7 @@
           <a:p>
             <a:fld id="{3B4175D8-21FE-1141-A8BD-839253E5DE05}" type="datetimeFigureOut">
               <a:rPr lang="es-ES_tradnl" smtClean="0"/>
-              <a:t>20/1/23</a:t>
+              <a:t>27/1/23</a:t>
             </a:fld>
             <a:endParaRPr lang="es-ES_tradnl"/>
           </a:p>
@@ -2080,7 +2086,7 @@
           <a:p>
             <a:fld id="{3B4175D8-21FE-1141-A8BD-839253E5DE05}" type="datetimeFigureOut">
               <a:rPr lang="es-ES_tradnl" smtClean="0"/>
-              <a:t>20/1/23</a:t>
+              <a:t>27/1/23</a:t>
             </a:fld>
             <a:endParaRPr lang="es-ES_tradnl"/>
           </a:p>
@@ -2393,7 +2399,7 @@
           <a:p>
             <a:fld id="{3B4175D8-21FE-1141-A8BD-839253E5DE05}" type="datetimeFigureOut">
               <a:rPr lang="es-ES_tradnl" smtClean="0"/>
-              <a:t>20/1/23</a:t>
+              <a:t>27/1/23</a:t>
             </a:fld>
             <a:endParaRPr lang="es-ES_tradnl"/>
           </a:p>
@@ -2682,7 +2688,7 @@
           <a:p>
             <a:fld id="{3B4175D8-21FE-1141-A8BD-839253E5DE05}" type="datetimeFigureOut">
               <a:rPr lang="es-ES_tradnl" smtClean="0"/>
-              <a:t>20/1/23</a:t>
+              <a:t>27/1/23</a:t>
             </a:fld>
             <a:endParaRPr lang="es-ES_tradnl"/>
           </a:p>
@@ -2925,7 +2931,7 @@
           <a:p>
             <a:fld id="{3B4175D8-21FE-1141-A8BD-839253E5DE05}" type="datetimeFigureOut">
               <a:rPr lang="es-ES_tradnl" smtClean="0"/>
-              <a:t>20/1/23</a:t>
+              <a:t>27/1/23</a:t>
             </a:fld>
             <a:endParaRPr lang="es-ES_tradnl"/>
           </a:p>
@@ -4367,6 +4373,321 @@
 </p:sld>
 </file>
 
+<file path=ppt/slides/slide2.xml><?xml version="1.0" encoding="utf-8"?>
+<p:sld xmlns:a="http://schemas.openxmlformats.org/drawingml/2006/main" xmlns:r="http://schemas.openxmlformats.org/officeDocument/2006/relationships" xmlns:p="http://schemas.openxmlformats.org/presentationml/2006/main">
+  <p:cSld>
+    <p:spTree>
+      <p:nvGrpSpPr>
+        <p:cNvPr id="1" name=""/>
+        <p:cNvGrpSpPr/>
+        <p:nvPr/>
+      </p:nvGrpSpPr>
+      <p:grpSpPr>
+        <a:xfrm>
+          <a:off x="0" y="0"/>
+          <a:ext cx="0" cy="0"/>
+          <a:chOff x="0" y="0"/>
+          <a:chExt cx="0" cy="0"/>
+        </a:xfrm>
+      </p:grpSpPr>
+      <p:graphicFrame>
+        <p:nvGraphicFramePr>
+          <p:cNvPr id="4" name="Table 4">
+            <a:extLst>
+              <a:ext uri="{FF2B5EF4-FFF2-40B4-BE49-F238E27FC236}">
+                <a16:creationId xmlns:a16="http://schemas.microsoft.com/office/drawing/2014/main" id="{12A21D75-AA2B-0532-A9B1-F01F2BFC8D27}"/>
+              </a:ext>
+            </a:extLst>
+          </p:cNvPr>
+          <p:cNvGraphicFramePr>
+            <a:graphicFrameLocks noGrp="1"/>
+          </p:cNvGraphicFramePr>
+          <p:nvPr>
+            <p:extLst>
+              <p:ext uri="{D42A27DB-BD31-4B8C-83A1-F6EECF244321}">
+                <p14:modId xmlns:p14="http://schemas.microsoft.com/office/powerpoint/2010/main" val="3825150403"/>
+              </p:ext>
+            </p:extLst>
+          </p:nvPr>
+        </p:nvGraphicFramePr>
+        <p:xfrm>
+          <a:off x="4388553" y="1190509"/>
+          <a:ext cx="3238644" cy="2628017"/>
+        </p:xfrm>
+        <a:graphic>
+          <a:graphicData uri="http://schemas.openxmlformats.org/drawingml/2006/table">
+            <a:tbl>
+              <a:tblPr firstRow="1" bandRow="1">
+                <a:tableStyleId>{5C22544A-7EE6-4342-B048-85BDC9FD1C3A}</a:tableStyleId>
+              </a:tblPr>
+              <a:tblGrid>
+                <a:gridCol w="1619322">
+                  <a:extLst>
+                    <a:ext uri="{9D8B030D-6E8A-4147-A177-3AD203B41FA5}">
+                      <a16:colId xmlns:a16="http://schemas.microsoft.com/office/drawing/2014/main" val="600096088"/>
+                    </a:ext>
+                  </a:extLst>
+                </a:gridCol>
+                <a:gridCol w="1619322">
+                  <a:extLst>
+                    <a:ext uri="{9D8B030D-6E8A-4147-A177-3AD203B41FA5}">
+                      <a16:colId xmlns:a16="http://schemas.microsoft.com/office/drawing/2014/main" val="1183959716"/>
+                    </a:ext>
+                  </a:extLst>
+                </a:gridCol>
+              </a:tblGrid>
+              <a:tr h="375431">
+                <a:tc gridSpan="2">
+                  <a:txBody>
+                    <a:bodyPr/>
+                    <a:lstStyle/>
+                    <a:p>
+                      <a:pPr algn="ctr"/>
+                      <a:r>
+                        <a:rPr lang="es-ES_tradnl" dirty="0"/>
+                        <a:t>REPEATERS</a:t>
+                      </a:r>
+                    </a:p>
+                  </a:txBody>
+                  <a:tcPr/>
+                </a:tc>
+                <a:tc hMerge="1">
+                  <a:txBody>
+                    <a:bodyPr/>
+                    <a:lstStyle/>
+                    <a:p>
+                      <a:pPr algn="ctr"/>
+                      <a:endParaRPr lang="es-ES_tradnl" dirty="0"/>
+                    </a:p>
+                  </a:txBody>
+                  <a:tcPr/>
+                </a:tc>
+                <a:extLst>
+                  <a:ext uri="{0D108BD9-81ED-4DB2-BD59-A6C34878D82A}">
+                    <a16:rowId xmlns:a16="http://schemas.microsoft.com/office/drawing/2014/main" val="427974243"/>
+                  </a:ext>
+                </a:extLst>
+              </a:tr>
+              <a:tr h="375431">
+                <a:tc>
+                  <a:txBody>
+                    <a:bodyPr/>
+                    <a:lstStyle/>
+                    <a:p>
+                      <a:r>
+                        <a:rPr lang="es-ES_tradnl" dirty="0"/>
+                        <a:t>ID</a:t>
+                      </a:r>
+                    </a:p>
+                  </a:txBody>
+                  <a:tcPr/>
+                </a:tc>
+                <a:tc>
+                  <a:txBody>
+                    <a:bodyPr/>
+                    <a:lstStyle/>
+                    <a:p>
+                      <a:r>
+                        <a:rPr lang="es-ES_tradnl" dirty="0"/>
+                        <a:t>INTEGER</a:t>
+                      </a:r>
+                    </a:p>
+                  </a:txBody>
+                  <a:tcPr/>
+                </a:tc>
+                <a:extLst>
+                  <a:ext uri="{0D108BD9-81ED-4DB2-BD59-A6C34878D82A}">
+                    <a16:rowId xmlns:a16="http://schemas.microsoft.com/office/drawing/2014/main" val="1358184431"/>
+                  </a:ext>
+                </a:extLst>
+              </a:tr>
+              <a:tr h="375431">
+                <a:tc>
+                  <a:txBody>
+                    <a:bodyPr/>
+                    <a:lstStyle/>
+                    <a:p>
+                      <a:r>
+                        <a:rPr lang="es-ES_tradnl" dirty="0" err="1"/>
+                        <a:t>latitude</a:t>
+                      </a:r>
+                      <a:endParaRPr lang="es-ES_tradnl" dirty="0"/>
+                    </a:p>
+                  </a:txBody>
+                  <a:tcPr/>
+                </a:tc>
+                <a:tc>
+                  <a:txBody>
+                    <a:bodyPr/>
+                    <a:lstStyle/>
+                    <a:p>
+                      <a:r>
+                        <a:rPr lang="es-ES_tradnl" dirty="0"/>
+                        <a:t>FLOAT</a:t>
+                      </a:r>
+                    </a:p>
+                  </a:txBody>
+                  <a:tcPr/>
+                </a:tc>
+                <a:extLst>
+                  <a:ext uri="{0D108BD9-81ED-4DB2-BD59-A6C34878D82A}">
+                    <a16:rowId xmlns:a16="http://schemas.microsoft.com/office/drawing/2014/main" val="2022768493"/>
+                  </a:ext>
+                </a:extLst>
+              </a:tr>
+              <a:tr h="375431">
+                <a:tc>
+                  <a:txBody>
+                    <a:bodyPr/>
+                    <a:lstStyle/>
+                    <a:p>
+                      <a:r>
+                        <a:rPr lang="es-ES_tradnl" dirty="0" err="1"/>
+                        <a:t>longitude</a:t>
+                      </a:r>
+                      <a:endParaRPr lang="es-ES_tradnl" dirty="0"/>
+                    </a:p>
+                  </a:txBody>
+                  <a:tcPr/>
+                </a:tc>
+                <a:tc>
+                  <a:txBody>
+                    <a:bodyPr/>
+                    <a:lstStyle/>
+                    <a:p>
+                      <a:r>
+                        <a:rPr lang="es-ES_tradnl" dirty="0"/>
+                        <a:t>FLOAT</a:t>
+                      </a:r>
+                    </a:p>
+                  </a:txBody>
+                  <a:tcPr/>
+                </a:tc>
+                <a:extLst>
+                  <a:ext uri="{0D108BD9-81ED-4DB2-BD59-A6C34878D82A}">
+                    <a16:rowId xmlns:a16="http://schemas.microsoft.com/office/drawing/2014/main" val="1531585384"/>
+                  </a:ext>
+                </a:extLst>
+              </a:tr>
+              <a:tr h="375431">
+                <a:tc>
+                  <a:txBody>
+                    <a:bodyPr/>
+                    <a:lstStyle/>
+                    <a:p>
+                      <a:r>
+                        <a:rPr lang="es-ES_tradnl" dirty="0" err="1"/>
+                        <a:t>depth</a:t>
+                      </a:r>
+                      <a:endParaRPr lang="es-ES_tradnl" dirty="0"/>
+                    </a:p>
+                  </a:txBody>
+                  <a:tcPr/>
+                </a:tc>
+                <a:tc>
+                  <a:txBody>
+                    <a:bodyPr/>
+                    <a:lstStyle/>
+                    <a:p>
+                      <a:r>
+                        <a:rPr lang="es-ES_tradnl" dirty="0"/>
+                        <a:t>FLOAT</a:t>
+                      </a:r>
+                    </a:p>
+                  </a:txBody>
+                  <a:tcPr/>
+                </a:tc>
+                <a:extLst>
+                  <a:ext uri="{0D108BD9-81ED-4DB2-BD59-A6C34878D82A}">
+                    <a16:rowId xmlns:a16="http://schemas.microsoft.com/office/drawing/2014/main" val="3315266893"/>
+                  </a:ext>
+                </a:extLst>
+              </a:tr>
+              <a:tr h="375431">
+                <a:tc>
+                  <a:txBody>
+                    <a:bodyPr/>
+                    <a:lstStyle/>
+                    <a:p>
+                      <a:r>
+                        <a:rPr lang="es-ES_tradnl" dirty="0" err="1"/>
+                        <a:t>mag</a:t>
+                      </a:r>
+                      <a:endParaRPr lang="es-ES_tradnl" dirty="0"/>
+                    </a:p>
+                  </a:txBody>
+                  <a:tcPr/>
+                </a:tc>
+                <a:tc>
+                  <a:txBody>
+                    <a:bodyPr/>
+                    <a:lstStyle/>
+                    <a:p>
+                      <a:r>
+                        <a:rPr lang="es-ES_tradnl" dirty="0"/>
+                        <a:t>FLOAT</a:t>
+                      </a:r>
+                    </a:p>
+                  </a:txBody>
+                  <a:tcPr/>
+                </a:tc>
+                <a:extLst>
+                  <a:ext uri="{0D108BD9-81ED-4DB2-BD59-A6C34878D82A}">
+                    <a16:rowId xmlns:a16="http://schemas.microsoft.com/office/drawing/2014/main" val="1800723743"/>
+                  </a:ext>
+                </a:extLst>
+              </a:tr>
+              <a:tr h="375431">
+                <a:tc>
+                  <a:txBody>
+                    <a:bodyPr/>
+                    <a:lstStyle/>
+                    <a:p>
+                      <a:r>
+                        <a:rPr lang="es-ES_tradnl"/>
+                        <a:t>no_repeaters</a:t>
+                      </a:r>
+                      <a:endParaRPr lang="es-ES_tradnl" dirty="0"/>
+                    </a:p>
+                  </a:txBody>
+                  <a:tcPr/>
+                </a:tc>
+                <a:tc>
+                  <a:txBody>
+                    <a:bodyPr/>
+                    <a:lstStyle/>
+                    <a:p>
+                      <a:r>
+                        <a:rPr lang="es-ES_tradnl" dirty="0"/>
+                        <a:t>INTEGER</a:t>
+                      </a:r>
+                    </a:p>
+                  </a:txBody>
+                  <a:tcPr/>
+                </a:tc>
+                <a:extLst>
+                  <a:ext uri="{0D108BD9-81ED-4DB2-BD59-A6C34878D82A}">
+                    <a16:rowId xmlns:a16="http://schemas.microsoft.com/office/drawing/2014/main" val="2773531725"/>
+                  </a:ext>
+                </a:extLst>
+              </a:tr>
+            </a:tbl>
+          </a:graphicData>
+        </a:graphic>
+      </p:graphicFrame>
+    </p:spTree>
+    <p:extLst>
+      <p:ext uri="{BB962C8B-B14F-4D97-AF65-F5344CB8AC3E}">
+        <p14:creationId xmlns:p14="http://schemas.microsoft.com/office/powerpoint/2010/main" val="1324327524"/>
+      </p:ext>
+    </p:extLst>
+  </p:cSld>
+  <p:clrMapOvr>
+    <a:masterClrMapping/>
+  </p:clrMapOvr>
+</p:sld>
+</file>
+
 <file path=ppt/theme/theme1.xml><?xml version="1.0" encoding="utf-8"?>
 <a:theme xmlns:a="http://schemas.openxmlformats.org/drawingml/2006/main" name="Office Theme">
   <a:themeElements>

--- a/sql_structure.pptx
+++ b/sql_structure.pptx
@@ -262,7 +262,7 @@
           <a:p>
             <a:fld id="{3B4175D8-21FE-1141-A8BD-839253E5DE05}" type="datetimeFigureOut">
               <a:rPr lang="es-ES_tradnl" smtClean="0"/>
-              <a:t>27/1/23</a:t>
+              <a:t>30/1/23</a:t>
             </a:fld>
             <a:endParaRPr lang="es-ES_tradnl"/>
           </a:p>
@@ -462,7 +462,7 @@
           <a:p>
             <a:fld id="{3B4175D8-21FE-1141-A8BD-839253E5DE05}" type="datetimeFigureOut">
               <a:rPr lang="es-ES_tradnl" smtClean="0"/>
-              <a:t>27/1/23</a:t>
+              <a:t>30/1/23</a:t>
             </a:fld>
             <a:endParaRPr lang="es-ES_tradnl"/>
           </a:p>
@@ -672,7 +672,7 @@
           <a:p>
             <a:fld id="{3B4175D8-21FE-1141-A8BD-839253E5DE05}" type="datetimeFigureOut">
               <a:rPr lang="es-ES_tradnl" smtClean="0"/>
-              <a:t>27/1/23</a:t>
+              <a:t>30/1/23</a:t>
             </a:fld>
             <a:endParaRPr lang="es-ES_tradnl"/>
           </a:p>
@@ -872,7 +872,7 @@
           <a:p>
             <a:fld id="{3B4175D8-21FE-1141-A8BD-839253E5DE05}" type="datetimeFigureOut">
               <a:rPr lang="es-ES_tradnl" smtClean="0"/>
-              <a:t>27/1/23</a:t>
+              <a:t>30/1/23</a:t>
             </a:fld>
             <a:endParaRPr lang="es-ES_tradnl"/>
           </a:p>
@@ -1148,7 +1148,7 @@
           <a:p>
             <a:fld id="{3B4175D8-21FE-1141-A8BD-839253E5DE05}" type="datetimeFigureOut">
               <a:rPr lang="es-ES_tradnl" smtClean="0"/>
-              <a:t>27/1/23</a:t>
+              <a:t>30/1/23</a:t>
             </a:fld>
             <a:endParaRPr lang="es-ES_tradnl"/>
           </a:p>
@@ -1416,7 +1416,7 @@
           <a:p>
             <a:fld id="{3B4175D8-21FE-1141-A8BD-839253E5DE05}" type="datetimeFigureOut">
               <a:rPr lang="es-ES_tradnl" smtClean="0"/>
-              <a:t>27/1/23</a:t>
+              <a:t>30/1/23</a:t>
             </a:fld>
             <a:endParaRPr lang="es-ES_tradnl"/>
           </a:p>
@@ -1831,7 +1831,7 @@
           <a:p>
             <a:fld id="{3B4175D8-21FE-1141-A8BD-839253E5DE05}" type="datetimeFigureOut">
               <a:rPr lang="es-ES_tradnl" smtClean="0"/>
-              <a:t>27/1/23</a:t>
+              <a:t>30/1/23</a:t>
             </a:fld>
             <a:endParaRPr lang="es-ES_tradnl"/>
           </a:p>
@@ -1973,7 +1973,7 @@
           <a:p>
             <a:fld id="{3B4175D8-21FE-1141-A8BD-839253E5DE05}" type="datetimeFigureOut">
               <a:rPr lang="es-ES_tradnl" smtClean="0"/>
-              <a:t>27/1/23</a:t>
+              <a:t>30/1/23</a:t>
             </a:fld>
             <a:endParaRPr lang="es-ES_tradnl"/>
           </a:p>
@@ -2086,7 +2086,7 @@
           <a:p>
             <a:fld id="{3B4175D8-21FE-1141-A8BD-839253E5DE05}" type="datetimeFigureOut">
               <a:rPr lang="es-ES_tradnl" smtClean="0"/>
-              <a:t>27/1/23</a:t>
+              <a:t>30/1/23</a:t>
             </a:fld>
             <a:endParaRPr lang="es-ES_tradnl"/>
           </a:p>
@@ -2399,7 +2399,7 @@
           <a:p>
             <a:fld id="{3B4175D8-21FE-1141-A8BD-839253E5DE05}" type="datetimeFigureOut">
               <a:rPr lang="es-ES_tradnl" smtClean="0"/>
-              <a:t>27/1/23</a:t>
+              <a:t>30/1/23</a:t>
             </a:fld>
             <a:endParaRPr lang="es-ES_tradnl"/>
           </a:p>
@@ -2688,7 +2688,7 @@
           <a:p>
             <a:fld id="{3B4175D8-21FE-1141-A8BD-839253E5DE05}" type="datetimeFigureOut">
               <a:rPr lang="es-ES_tradnl" smtClean="0"/>
-              <a:t>27/1/23</a:t>
+              <a:t>30/1/23</a:t>
             </a:fld>
             <a:endParaRPr lang="es-ES_tradnl"/>
           </a:p>
@@ -2931,7 +2931,7 @@
           <a:p>
             <a:fld id="{3B4175D8-21FE-1141-A8BD-839253E5DE05}" type="datetimeFigureOut">
               <a:rPr lang="es-ES_tradnl" smtClean="0"/>
-              <a:t>27/1/23</a:t>
+              <a:t>30/1/23</a:t>
             </a:fld>
             <a:endParaRPr lang="es-ES_tradnl"/>
           </a:p>
@@ -4405,7 +4405,7 @@
           <p:nvPr>
             <p:extLst>
               <p:ext uri="{D42A27DB-BD31-4B8C-83A1-F6EECF244321}">
-                <p14:modId xmlns:p14="http://schemas.microsoft.com/office/powerpoint/2010/main" val="3825150403"/>
+                <p14:modId xmlns:p14="http://schemas.microsoft.com/office/powerpoint/2010/main" val="2119943805"/>
               </p:ext>
             </p:extLst>
           </p:nvPr>
@@ -4444,9 +4444,18 @@
                     <a:p>
                       <a:pPr algn="ctr"/>
                       <a:r>
+                        <a:rPr lang="es-ES_tradnl" dirty="0" err="1"/>
+                        <a:t>REPEATERSnsert</a:t>
+                      </a:r>
+                      <a:r>
                         <a:rPr lang="es-ES_tradnl" dirty="0"/>
-                        <a:t>REPEATERS</a:t>
-                      </a:r>
+                        <a:t> </a:t>
+                      </a:r>
+                      <a:r>
+                        <a:rPr lang="es-ES_tradnl" dirty="0" err="1"/>
+                        <a:t>row</a:t>
+                      </a:r>
+                      <a:endParaRPr lang="es-ES_tradnl" dirty="0"/>
                     </a:p>
                   </a:txBody>
                   <a:tcPr/>
@@ -4668,6 +4677,392 @@
                 <a:extLst>
                   <a:ext uri="{0D108BD9-81ED-4DB2-BD59-A6C34878D82A}">
                     <a16:rowId xmlns:a16="http://schemas.microsoft.com/office/drawing/2014/main" val="2773531725"/>
+                  </a:ext>
+                </a:extLst>
+              </a:tr>
+            </a:tbl>
+          </a:graphicData>
+        </a:graphic>
+      </p:graphicFrame>
+      <p:graphicFrame>
+        <p:nvGraphicFramePr>
+          <p:cNvPr id="2" name="Table 4">
+            <a:extLst>
+              <a:ext uri="{FF2B5EF4-FFF2-40B4-BE49-F238E27FC236}">
+                <a16:creationId xmlns:a16="http://schemas.microsoft.com/office/drawing/2014/main" id="{F2F818BC-489F-B327-33CF-05757F2E1A9C}"/>
+              </a:ext>
+            </a:extLst>
+          </p:cNvPr>
+          <p:cNvGraphicFramePr>
+            <a:graphicFrameLocks noGrp="1"/>
+          </p:cNvGraphicFramePr>
+          <p:nvPr>
+            <p:extLst>
+              <p:ext uri="{D42A27DB-BD31-4B8C-83A1-F6EECF244321}">
+                <p14:modId xmlns:p14="http://schemas.microsoft.com/office/powerpoint/2010/main" val="273742056"/>
+              </p:ext>
+            </p:extLst>
+          </p:nvPr>
+        </p:nvGraphicFramePr>
+        <p:xfrm>
+          <a:off x="4294768" y="1225678"/>
+          <a:ext cx="3238644" cy="3754310"/>
+        </p:xfrm>
+        <a:graphic>
+          <a:graphicData uri="http://schemas.openxmlformats.org/drawingml/2006/table">
+            <a:tbl>
+              <a:tblPr firstRow="1" bandRow="1">
+                <a:tableStyleId>{5C22544A-7EE6-4342-B048-85BDC9FD1C3A}</a:tableStyleId>
+              </a:tblPr>
+              <a:tblGrid>
+                <a:gridCol w="1619322">
+                  <a:extLst>
+                    <a:ext uri="{9D8B030D-6E8A-4147-A177-3AD203B41FA5}">
+                      <a16:colId xmlns:a16="http://schemas.microsoft.com/office/drawing/2014/main" val="600096088"/>
+                    </a:ext>
+                  </a:extLst>
+                </a:gridCol>
+                <a:gridCol w="1619322">
+                  <a:extLst>
+                    <a:ext uri="{9D8B030D-6E8A-4147-A177-3AD203B41FA5}">
+                      <a16:colId xmlns:a16="http://schemas.microsoft.com/office/drawing/2014/main" val="1183959716"/>
+                    </a:ext>
+                  </a:extLst>
+                </a:gridCol>
+              </a:tblGrid>
+              <a:tr h="375431">
+                <a:tc gridSpan="2">
+                  <a:txBody>
+                    <a:bodyPr/>
+                    <a:lstStyle/>
+                    <a:p>
+                      <a:pPr algn="ctr"/>
+                      <a:r>
+                        <a:rPr lang="es-ES_tradnl" dirty="0"/>
+                        <a:t>REPEATERS</a:t>
+                      </a:r>
+                    </a:p>
+                  </a:txBody>
+                  <a:tcPr/>
+                </a:tc>
+                <a:tc hMerge="1">
+                  <a:txBody>
+                    <a:bodyPr/>
+                    <a:lstStyle/>
+                    <a:p>
+                      <a:pPr algn="ctr"/>
+                      <a:endParaRPr lang="es-ES_tradnl" dirty="0"/>
+                    </a:p>
+                  </a:txBody>
+                  <a:tcPr/>
+                </a:tc>
+                <a:extLst>
+                  <a:ext uri="{0D108BD9-81ED-4DB2-BD59-A6C34878D82A}">
+                    <a16:rowId xmlns:a16="http://schemas.microsoft.com/office/drawing/2014/main" val="427974243"/>
+                  </a:ext>
+                </a:extLst>
+              </a:tr>
+              <a:tr h="375431">
+                <a:tc>
+                  <a:txBody>
+                    <a:bodyPr/>
+                    <a:lstStyle/>
+                    <a:p>
+                      <a:r>
+                        <a:rPr lang="es-ES_tradnl" dirty="0"/>
+                        <a:t>ID</a:t>
+                      </a:r>
+                    </a:p>
+                  </a:txBody>
+                  <a:tcPr/>
+                </a:tc>
+                <a:tc>
+                  <a:txBody>
+                    <a:bodyPr/>
+                    <a:lstStyle/>
+                    <a:p>
+                      <a:r>
+                        <a:rPr lang="es-ES_tradnl" dirty="0"/>
+                        <a:t>INTEGER</a:t>
+                      </a:r>
+                    </a:p>
+                  </a:txBody>
+                  <a:tcPr/>
+                </a:tc>
+                <a:extLst>
+                  <a:ext uri="{0D108BD9-81ED-4DB2-BD59-A6C34878D82A}">
+                    <a16:rowId xmlns:a16="http://schemas.microsoft.com/office/drawing/2014/main" val="1358184431"/>
+                  </a:ext>
+                </a:extLst>
+              </a:tr>
+              <a:tr h="375431">
+                <a:tc>
+                  <a:txBody>
+                    <a:bodyPr/>
+                    <a:lstStyle/>
+                    <a:p>
+                      <a:r>
+                        <a:rPr lang="es-ES_tradnl" dirty="0" err="1"/>
+                        <a:t>latitude</a:t>
+                      </a:r>
+                      <a:endParaRPr lang="es-ES_tradnl" dirty="0"/>
+                    </a:p>
+                  </a:txBody>
+                  <a:tcPr/>
+                </a:tc>
+                <a:tc>
+                  <a:txBody>
+                    <a:bodyPr/>
+                    <a:lstStyle/>
+                    <a:p>
+                      <a:r>
+                        <a:rPr lang="es-ES_tradnl" dirty="0"/>
+                        <a:t>FLOAT</a:t>
+                      </a:r>
+                    </a:p>
+                  </a:txBody>
+                  <a:tcPr/>
+                </a:tc>
+                <a:extLst>
+                  <a:ext uri="{0D108BD9-81ED-4DB2-BD59-A6C34878D82A}">
+                    <a16:rowId xmlns:a16="http://schemas.microsoft.com/office/drawing/2014/main" val="2022768493"/>
+                  </a:ext>
+                </a:extLst>
+              </a:tr>
+              <a:tr h="375431">
+                <a:tc>
+                  <a:txBody>
+                    <a:bodyPr/>
+                    <a:lstStyle/>
+                    <a:p>
+                      <a:r>
+                        <a:rPr lang="es-ES_tradnl" dirty="0" err="1"/>
+                        <a:t>longitude</a:t>
+                      </a:r>
+                      <a:endParaRPr lang="es-ES_tradnl" dirty="0"/>
+                    </a:p>
+                  </a:txBody>
+                  <a:tcPr/>
+                </a:tc>
+                <a:tc>
+                  <a:txBody>
+                    <a:bodyPr/>
+                    <a:lstStyle/>
+                    <a:p>
+                      <a:r>
+                        <a:rPr lang="es-ES_tradnl" dirty="0"/>
+                        <a:t>FLOAT</a:t>
+                      </a:r>
+                    </a:p>
+                  </a:txBody>
+                  <a:tcPr/>
+                </a:tc>
+                <a:extLst>
+                  <a:ext uri="{0D108BD9-81ED-4DB2-BD59-A6C34878D82A}">
+                    <a16:rowId xmlns:a16="http://schemas.microsoft.com/office/drawing/2014/main" val="1531585384"/>
+                  </a:ext>
+                </a:extLst>
+              </a:tr>
+              <a:tr h="375431">
+                <a:tc>
+                  <a:txBody>
+                    <a:bodyPr/>
+                    <a:lstStyle/>
+                    <a:p>
+                      <a:r>
+                        <a:rPr lang="es-ES_tradnl" dirty="0" err="1"/>
+                        <a:t>depth</a:t>
+                      </a:r>
+                      <a:endParaRPr lang="es-ES_tradnl" dirty="0"/>
+                    </a:p>
+                  </a:txBody>
+                  <a:tcPr/>
+                </a:tc>
+                <a:tc>
+                  <a:txBody>
+                    <a:bodyPr/>
+                    <a:lstStyle/>
+                    <a:p>
+                      <a:r>
+                        <a:rPr lang="es-ES_tradnl" dirty="0"/>
+                        <a:t>FLOAT</a:t>
+                      </a:r>
+                    </a:p>
+                  </a:txBody>
+                  <a:tcPr/>
+                </a:tc>
+                <a:extLst>
+                  <a:ext uri="{0D108BD9-81ED-4DB2-BD59-A6C34878D82A}">
+                    <a16:rowId xmlns:a16="http://schemas.microsoft.com/office/drawing/2014/main" val="3315266893"/>
+                  </a:ext>
+                </a:extLst>
+              </a:tr>
+              <a:tr h="375431">
+                <a:tc>
+                  <a:txBody>
+                    <a:bodyPr/>
+                    <a:lstStyle/>
+                    <a:p>
+                      <a:r>
+                        <a:rPr lang="es-ES_tradnl" dirty="0" err="1"/>
+                        <a:t>mag</a:t>
+                      </a:r>
+                      <a:endParaRPr lang="es-ES_tradnl" dirty="0"/>
+                    </a:p>
+                  </a:txBody>
+                  <a:tcPr/>
+                </a:tc>
+                <a:tc>
+                  <a:txBody>
+                    <a:bodyPr/>
+                    <a:lstStyle/>
+                    <a:p>
+                      <a:r>
+                        <a:rPr lang="es-ES_tradnl" dirty="0"/>
+                        <a:t>FLOAT</a:t>
+                      </a:r>
+                    </a:p>
+                  </a:txBody>
+                  <a:tcPr/>
+                </a:tc>
+                <a:extLst>
+                  <a:ext uri="{0D108BD9-81ED-4DB2-BD59-A6C34878D82A}">
+                    <a16:rowId xmlns:a16="http://schemas.microsoft.com/office/drawing/2014/main" val="1800723743"/>
+                  </a:ext>
+                </a:extLst>
+              </a:tr>
+              <a:tr h="375431">
+                <a:tc>
+                  <a:txBody>
+                    <a:bodyPr/>
+                    <a:lstStyle/>
+                    <a:p>
+                      <a:r>
+                        <a:rPr lang="es-ES_tradnl" dirty="0" err="1"/>
+                        <a:t>no_repeaters</a:t>
+                      </a:r>
+                      <a:endParaRPr lang="es-ES_tradnl" dirty="0"/>
+                    </a:p>
+                  </a:txBody>
+                  <a:tcPr/>
+                </a:tc>
+                <a:tc>
+                  <a:txBody>
+                    <a:bodyPr/>
+                    <a:lstStyle/>
+                    <a:p>
+                      <a:r>
+                        <a:rPr lang="es-ES_tradnl" dirty="0"/>
+                        <a:t>INTEGER</a:t>
+                      </a:r>
+                    </a:p>
+                  </a:txBody>
+                  <a:tcPr/>
+                </a:tc>
+                <a:extLst>
+                  <a:ext uri="{0D108BD9-81ED-4DB2-BD59-A6C34878D82A}">
+                    <a16:rowId xmlns:a16="http://schemas.microsoft.com/office/drawing/2014/main" val="3526640220"/>
+                  </a:ext>
+                </a:extLst>
+              </a:tr>
+              <a:tr h="375431">
+                <a:tc>
+                  <a:txBody>
+                    <a:bodyPr/>
+                    <a:lstStyle/>
+                    <a:p>
+                      <a:r>
+                        <a:rPr lang="es-ES_tradnl" dirty="0" err="1"/>
+                        <a:t>intervals</a:t>
+                      </a:r>
+                      <a:endParaRPr lang="es-ES_tradnl" dirty="0"/>
+                    </a:p>
+                  </a:txBody>
+                  <a:tcPr/>
+                </a:tc>
+                <a:tc>
+                  <a:txBody>
+                    <a:bodyPr/>
+                    <a:lstStyle/>
+                    <a:p>
+                      <a:r>
+                        <a:rPr lang="es-ES_tradnl" dirty="0"/>
+                        <a:t>TEXT</a:t>
+                      </a:r>
+                    </a:p>
+                  </a:txBody>
+                  <a:tcPr/>
+                </a:tc>
+                <a:extLst>
+                  <a:ext uri="{0D108BD9-81ED-4DB2-BD59-A6C34878D82A}">
+                    <a16:rowId xmlns:a16="http://schemas.microsoft.com/office/drawing/2014/main" val="636991559"/>
+                  </a:ext>
+                </a:extLst>
+              </a:tr>
+              <a:tr h="375431">
+                <a:tc>
+                  <a:txBody>
+                    <a:bodyPr/>
+                    <a:lstStyle/>
+                    <a:p>
+                      <a:r>
+                        <a:rPr lang="es-ES_tradnl" dirty="0"/>
+                        <a:t>dates</a:t>
+                      </a:r>
+                    </a:p>
+                  </a:txBody>
+                  <a:tcPr/>
+                </a:tc>
+                <a:tc>
+                  <a:txBody>
+                    <a:bodyPr/>
+                    <a:lstStyle/>
+                    <a:p>
+                      <a:r>
+                        <a:rPr lang="es-ES_tradnl" dirty="0"/>
+                        <a:t>TEXT</a:t>
+                      </a:r>
+                    </a:p>
+                  </a:txBody>
+                  <a:tcPr/>
+                </a:tc>
+                <a:extLst>
+                  <a:ext uri="{0D108BD9-81ED-4DB2-BD59-A6C34878D82A}">
+                    <a16:rowId xmlns:a16="http://schemas.microsoft.com/office/drawing/2014/main" val="1559439281"/>
+                  </a:ext>
+                </a:extLst>
+              </a:tr>
+              <a:tr h="375431">
+                <a:tc>
+                  <a:txBody>
+                    <a:bodyPr/>
+                    <a:lstStyle/>
+                    <a:p>
+                      <a:r>
+                        <a:rPr lang="es-ES_tradnl" dirty="0" err="1"/>
+                        <a:t>ids</a:t>
+                      </a:r>
+                      <a:endParaRPr lang="es-ES_tradnl" dirty="0"/>
+                    </a:p>
+                  </a:txBody>
+                  <a:tcPr/>
+                </a:tc>
+                <a:tc>
+                  <a:txBody>
+                    <a:bodyPr/>
+                    <a:lstStyle/>
+                    <a:p>
+                      <a:r>
+                        <a:rPr lang="es-ES_tradnl" dirty="0"/>
+                        <a:t>TEXT</a:t>
+                      </a:r>
+                    </a:p>
+                  </a:txBody>
+                  <a:tcPr/>
+                </a:tc>
+                <a:extLst>
+                  <a:ext uri="{0D108BD9-81ED-4DB2-BD59-A6C34878D82A}">
+                    <a16:rowId xmlns:a16="http://schemas.microsoft.com/office/drawing/2014/main" val="3644566879"/>
                   </a:ext>
                 </a:extLst>
               </a:tr>

--- a/sql_structure.pptx
+++ b/sql_structure.pptx
@@ -262,7 +262,7 @@
           <a:p>
             <a:fld id="{3B4175D8-21FE-1141-A8BD-839253E5DE05}" type="datetimeFigureOut">
               <a:rPr lang="es-ES_tradnl" smtClean="0"/>
-              <a:t>30/1/23</a:t>
+              <a:t>13/2/23</a:t>
             </a:fld>
             <a:endParaRPr lang="es-ES_tradnl"/>
           </a:p>
@@ -462,7 +462,7 @@
           <a:p>
             <a:fld id="{3B4175D8-21FE-1141-A8BD-839253E5DE05}" type="datetimeFigureOut">
               <a:rPr lang="es-ES_tradnl" smtClean="0"/>
-              <a:t>30/1/23</a:t>
+              <a:t>13/2/23</a:t>
             </a:fld>
             <a:endParaRPr lang="es-ES_tradnl"/>
           </a:p>
@@ -672,7 +672,7 @@
           <a:p>
             <a:fld id="{3B4175D8-21FE-1141-A8BD-839253E5DE05}" type="datetimeFigureOut">
               <a:rPr lang="es-ES_tradnl" smtClean="0"/>
-              <a:t>30/1/23</a:t>
+              <a:t>13/2/23</a:t>
             </a:fld>
             <a:endParaRPr lang="es-ES_tradnl"/>
           </a:p>
@@ -872,7 +872,7 @@
           <a:p>
             <a:fld id="{3B4175D8-21FE-1141-A8BD-839253E5DE05}" type="datetimeFigureOut">
               <a:rPr lang="es-ES_tradnl" smtClean="0"/>
-              <a:t>30/1/23</a:t>
+              <a:t>13/2/23</a:t>
             </a:fld>
             <a:endParaRPr lang="es-ES_tradnl"/>
           </a:p>
@@ -1148,7 +1148,7 @@
           <a:p>
             <a:fld id="{3B4175D8-21FE-1141-A8BD-839253E5DE05}" type="datetimeFigureOut">
               <a:rPr lang="es-ES_tradnl" smtClean="0"/>
-              <a:t>30/1/23</a:t>
+              <a:t>13/2/23</a:t>
             </a:fld>
             <a:endParaRPr lang="es-ES_tradnl"/>
           </a:p>
@@ -1416,7 +1416,7 @@
           <a:p>
             <a:fld id="{3B4175D8-21FE-1141-A8BD-839253E5DE05}" type="datetimeFigureOut">
               <a:rPr lang="es-ES_tradnl" smtClean="0"/>
-              <a:t>30/1/23</a:t>
+              <a:t>13/2/23</a:t>
             </a:fld>
             <a:endParaRPr lang="es-ES_tradnl"/>
           </a:p>
@@ -1831,7 +1831,7 @@
           <a:p>
             <a:fld id="{3B4175D8-21FE-1141-A8BD-839253E5DE05}" type="datetimeFigureOut">
               <a:rPr lang="es-ES_tradnl" smtClean="0"/>
-              <a:t>30/1/23</a:t>
+              <a:t>13/2/23</a:t>
             </a:fld>
             <a:endParaRPr lang="es-ES_tradnl"/>
           </a:p>
@@ -1973,7 +1973,7 @@
           <a:p>
             <a:fld id="{3B4175D8-21FE-1141-A8BD-839253E5DE05}" type="datetimeFigureOut">
               <a:rPr lang="es-ES_tradnl" smtClean="0"/>
-              <a:t>30/1/23</a:t>
+              <a:t>13/2/23</a:t>
             </a:fld>
             <a:endParaRPr lang="es-ES_tradnl"/>
           </a:p>
@@ -2086,7 +2086,7 @@
           <a:p>
             <a:fld id="{3B4175D8-21FE-1141-A8BD-839253E5DE05}" type="datetimeFigureOut">
               <a:rPr lang="es-ES_tradnl" smtClean="0"/>
-              <a:t>30/1/23</a:t>
+              <a:t>13/2/23</a:t>
             </a:fld>
             <a:endParaRPr lang="es-ES_tradnl"/>
           </a:p>
@@ -2399,7 +2399,7 @@
           <a:p>
             <a:fld id="{3B4175D8-21FE-1141-A8BD-839253E5DE05}" type="datetimeFigureOut">
               <a:rPr lang="es-ES_tradnl" smtClean="0"/>
-              <a:t>30/1/23</a:t>
+              <a:t>13/2/23</a:t>
             </a:fld>
             <a:endParaRPr lang="es-ES_tradnl"/>
           </a:p>
@@ -2688,7 +2688,7 @@
           <a:p>
             <a:fld id="{3B4175D8-21FE-1141-A8BD-839253E5DE05}" type="datetimeFigureOut">
               <a:rPr lang="es-ES_tradnl" smtClean="0"/>
-              <a:t>30/1/23</a:t>
+              <a:t>13/2/23</a:t>
             </a:fld>
             <a:endParaRPr lang="es-ES_tradnl"/>
           </a:p>
@@ -2931,7 +2931,7 @@
           <a:p>
             <a:fld id="{3B4175D8-21FE-1141-A8BD-839253E5DE05}" type="datetimeFigureOut">
               <a:rPr lang="es-ES_tradnl" smtClean="0"/>
-              <a:t>30/1/23</a:t>
+              <a:t>13/2/23</a:t>
             </a:fld>
             <a:endParaRPr lang="es-ES_tradnl"/>
           </a:p>
@@ -3784,7 +3784,7 @@
           <p:nvPr>
             <p:extLst>
               <p:ext uri="{D42A27DB-BD31-4B8C-83A1-F6EECF244321}">
-                <p14:modId xmlns:p14="http://schemas.microsoft.com/office/powerpoint/2010/main" val="2061291741"/>
+                <p14:modId xmlns:p14="http://schemas.microsoft.com/office/powerpoint/2010/main" val="745956174"/>
               </p:ext>
             </p:extLst>
           </p:nvPr>
@@ -4159,7 +4159,7 @@
                     <a:p>
                       <a:r>
                         <a:rPr lang="es-ES_tradnl" dirty="0" err="1"/>
-                        <a:t>Twet_text</a:t>
+                        <a:t>Tweet_text</a:t>
                       </a:r>
                       <a:endParaRPr lang="es-ES_tradnl" dirty="0"/>
                     </a:p>
@@ -4342,10 +4342,9 @@
                     <a:lstStyle/>
                     <a:p>
                       <a:r>
-                        <a:rPr lang="es-ES_tradnl"/>
+                        <a:rPr lang="es-ES_tradnl" dirty="0"/>
                         <a:t>TEXT</a:t>
                       </a:r>
-                      <a:endParaRPr lang="es-ES_tradnl" dirty="0"/>
                     </a:p>
                   </a:txBody>
                   <a:tcPr/>
@@ -4392,10 +4391,10 @@
       </p:grpSpPr>
       <p:graphicFrame>
         <p:nvGraphicFramePr>
-          <p:cNvPr id="4" name="Table 4">
-            <a:extLst>
-              <a:ext uri="{FF2B5EF4-FFF2-40B4-BE49-F238E27FC236}">
-                <a16:creationId xmlns:a16="http://schemas.microsoft.com/office/drawing/2014/main" id="{12A21D75-AA2B-0532-A9B1-F01F2BFC8D27}"/>
+          <p:cNvPr id="2" name="Table 4">
+            <a:extLst>
+              <a:ext uri="{FF2B5EF4-FFF2-40B4-BE49-F238E27FC236}">
+                <a16:creationId xmlns:a16="http://schemas.microsoft.com/office/drawing/2014/main" id="{F2F818BC-489F-B327-33CF-05757F2E1A9C}"/>
               </a:ext>
             </a:extLst>
           </p:cNvPr>
@@ -4405,307 +4404,13 @@
           <p:nvPr>
             <p:extLst>
               <p:ext uri="{D42A27DB-BD31-4B8C-83A1-F6EECF244321}">
-                <p14:modId xmlns:p14="http://schemas.microsoft.com/office/powerpoint/2010/main" val="2119943805"/>
+                <p14:modId xmlns:p14="http://schemas.microsoft.com/office/powerpoint/2010/main" val="3654502759"/>
               </p:ext>
             </p:extLst>
           </p:nvPr>
         </p:nvGraphicFramePr>
         <p:xfrm>
-          <a:off x="4388553" y="1190509"/>
-          <a:ext cx="3238644" cy="2628017"/>
-        </p:xfrm>
-        <a:graphic>
-          <a:graphicData uri="http://schemas.openxmlformats.org/drawingml/2006/table">
-            <a:tbl>
-              <a:tblPr firstRow="1" bandRow="1">
-                <a:tableStyleId>{5C22544A-7EE6-4342-B048-85BDC9FD1C3A}</a:tableStyleId>
-              </a:tblPr>
-              <a:tblGrid>
-                <a:gridCol w="1619322">
-                  <a:extLst>
-                    <a:ext uri="{9D8B030D-6E8A-4147-A177-3AD203B41FA5}">
-                      <a16:colId xmlns:a16="http://schemas.microsoft.com/office/drawing/2014/main" val="600096088"/>
-                    </a:ext>
-                  </a:extLst>
-                </a:gridCol>
-                <a:gridCol w="1619322">
-                  <a:extLst>
-                    <a:ext uri="{9D8B030D-6E8A-4147-A177-3AD203B41FA5}">
-                      <a16:colId xmlns:a16="http://schemas.microsoft.com/office/drawing/2014/main" val="1183959716"/>
-                    </a:ext>
-                  </a:extLst>
-                </a:gridCol>
-              </a:tblGrid>
-              <a:tr h="375431">
-                <a:tc gridSpan="2">
-                  <a:txBody>
-                    <a:bodyPr/>
-                    <a:lstStyle/>
-                    <a:p>
-                      <a:pPr algn="ctr"/>
-                      <a:r>
-                        <a:rPr lang="es-ES_tradnl" dirty="0" err="1"/>
-                        <a:t>REPEATERSnsert</a:t>
-                      </a:r>
-                      <a:r>
-                        <a:rPr lang="es-ES_tradnl" dirty="0"/>
-                        <a:t> </a:t>
-                      </a:r>
-                      <a:r>
-                        <a:rPr lang="es-ES_tradnl" dirty="0" err="1"/>
-                        <a:t>row</a:t>
-                      </a:r>
-                      <a:endParaRPr lang="es-ES_tradnl" dirty="0"/>
-                    </a:p>
-                  </a:txBody>
-                  <a:tcPr/>
-                </a:tc>
-                <a:tc hMerge="1">
-                  <a:txBody>
-                    <a:bodyPr/>
-                    <a:lstStyle/>
-                    <a:p>
-                      <a:pPr algn="ctr"/>
-                      <a:endParaRPr lang="es-ES_tradnl" dirty="0"/>
-                    </a:p>
-                  </a:txBody>
-                  <a:tcPr/>
-                </a:tc>
-                <a:extLst>
-                  <a:ext uri="{0D108BD9-81ED-4DB2-BD59-A6C34878D82A}">
-                    <a16:rowId xmlns:a16="http://schemas.microsoft.com/office/drawing/2014/main" val="427974243"/>
-                  </a:ext>
-                </a:extLst>
-              </a:tr>
-              <a:tr h="375431">
-                <a:tc>
-                  <a:txBody>
-                    <a:bodyPr/>
-                    <a:lstStyle/>
-                    <a:p>
-                      <a:r>
-                        <a:rPr lang="es-ES_tradnl" dirty="0"/>
-                        <a:t>ID</a:t>
-                      </a:r>
-                    </a:p>
-                  </a:txBody>
-                  <a:tcPr/>
-                </a:tc>
-                <a:tc>
-                  <a:txBody>
-                    <a:bodyPr/>
-                    <a:lstStyle/>
-                    <a:p>
-                      <a:r>
-                        <a:rPr lang="es-ES_tradnl" dirty="0"/>
-                        <a:t>INTEGER</a:t>
-                      </a:r>
-                    </a:p>
-                  </a:txBody>
-                  <a:tcPr/>
-                </a:tc>
-                <a:extLst>
-                  <a:ext uri="{0D108BD9-81ED-4DB2-BD59-A6C34878D82A}">
-                    <a16:rowId xmlns:a16="http://schemas.microsoft.com/office/drawing/2014/main" val="1358184431"/>
-                  </a:ext>
-                </a:extLst>
-              </a:tr>
-              <a:tr h="375431">
-                <a:tc>
-                  <a:txBody>
-                    <a:bodyPr/>
-                    <a:lstStyle/>
-                    <a:p>
-                      <a:r>
-                        <a:rPr lang="es-ES_tradnl" dirty="0" err="1"/>
-                        <a:t>latitude</a:t>
-                      </a:r>
-                      <a:endParaRPr lang="es-ES_tradnl" dirty="0"/>
-                    </a:p>
-                  </a:txBody>
-                  <a:tcPr/>
-                </a:tc>
-                <a:tc>
-                  <a:txBody>
-                    <a:bodyPr/>
-                    <a:lstStyle/>
-                    <a:p>
-                      <a:r>
-                        <a:rPr lang="es-ES_tradnl" dirty="0"/>
-                        <a:t>FLOAT</a:t>
-                      </a:r>
-                    </a:p>
-                  </a:txBody>
-                  <a:tcPr/>
-                </a:tc>
-                <a:extLst>
-                  <a:ext uri="{0D108BD9-81ED-4DB2-BD59-A6C34878D82A}">
-                    <a16:rowId xmlns:a16="http://schemas.microsoft.com/office/drawing/2014/main" val="2022768493"/>
-                  </a:ext>
-                </a:extLst>
-              </a:tr>
-              <a:tr h="375431">
-                <a:tc>
-                  <a:txBody>
-                    <a:bodyPr/>
-                    <a:lstStyle/>
-                    <a:p>
-                      <a:r>
-                        <a:rPr lang="es-ES_tradnl" dirty="0" err="1"/>
-                        <a:t>longitude</a:t>
-                      </a:r>
-                      <a:endParaRPr lang="es-ES_tradnl" dirty="0"/>
-                    </a:p>
-                  </a:txBody>
-                  <a:tcPr/>
-                </a:tc>
-                <a:tc>
-                  <a:txBody>
-                    <a:bodyPr/>
-                    <a:lstStyle/>
-                    <a:p>
-                      <a:r>
-                        <a:rPr lang="es-ES_tradnl" dirty="0"/>
-                        <a:t>FLOAT</a:t>
-                      </a:r>
-                    </a:p>
-                  </a:txBody>
-                  <a:tcPr/>
-                </a:tc>
-                <a:extLst>
-                  <a:ext uri="{0D108BD9-81ED-4DB2-BD59-A6C34878D82A}">
-                    <a16:rowId xmlns:a16="http://schemas.microsoft.com/office/drawing/2014/main" val="1531585384"/>
-                  </a:ext>
-                </a:extLst>
-              </a:tr>
-              <a:tr h="375431">
-                <a:tc>
-                  <a:txBody>
-                    <a:bodyPr/>
-                    <a:lstStyle/>
-                    <a:p>
-                      <a:r>
-                        <a:rPr lang="es-ES_tradnl" dirty="0" err="1"/>
-                        <a:t>depth</a:t>
-                      </a:r>
-                      <a:endParaRPr lang="es-ES_tradnl" dirty="0"/>
-                    </a:p>
-                  </a:txBody>
-                  <a:tcPr/>
-                </a:tc>
-                <a:tc>
-                  <a:txBody>
-                    <a:bodyPr/>
-                    <a:lstStyle/>
-                    <a:p>
-                      <a:r>
-                        <a:rPr lang="es-ES_tradnl" dirty="0"/>
-                        <a:t>FLOAT</a:t>
-                      </a:r>
-                    </a:p>
-                  </a:txBody>
-                  <a:tcPr/>
-                </a:tc>
-                <a:extLst>
-                  <a:ext uri="{0D108BD9-81ED-4DB2-BD59-A6C34878D82A}">
-                    <a16:rowId xmlns:a16="http://schemas.microsoft.com/office/drawing/2014/main" val="3315266893"/>
-                  </a:ext>
-                </a:extLst>
-              </a:tr>
-              <a:tr h="375431">
-                <a:tc>
-                  <a:txBody>
-                    <a:bodyPr/>
-                    <a:lstStyle/>
-                    <a:p>
-                      <a:r>
-                        <a:rPr lang="es-ES_tradnl" dirty="0" err="1"/>
-                        <a:t>mag</a:t>
-                      </a:r>
-                      <a:endParaRPr lang="es-ES_tradnl" dirty="0"/>
-                    </a:p>
-                  </a:txBody>
-                  <a:tcPr/>
-                </a:tc>
-                <a:tc>
-                  <a:txBody>
-                    <a:bodyPr/>
-                    <a:lstStyle/>
-                    <a:p>
-                      <a:r>
-                        <a:rPr lang="es-ES_tradnl" dirty="0"/>
-                        <a:t>FLOAT</a:t>
-                      </a:r>
-                    </a:p>
-                  </a:txBody>
-                  <a:tcPr/>
-                </a:tc>
-                <a:extLst>
-                  <a:ext uri="{0D108BD9-81ED-4DB2-BD59-A6C34878D82A}">
-                    <a16:rowId xmlns:a16="http://schemas.microsoft.com/office/drawing/2014/main" val="1800723743"/>
-                  </a:ext>
-                </a:extLst>
-              </a:tr>
-              <a:tr h="375431">
-                <a:tc>
-                  <a:txBody>
-                    <a:bodyPr/>
-                    <a:lstStyle/>
-                    <a:p>
-                      <a:r>
-                        <a:rPr lang="es-ES_tradnl"/>
-                        <a:t>no_repeaters</a:t>
-                      </a:r>
-                      <a:endParaRPr lang="es-ES_tradnl" dirty="0"/>
-                    </a:p>
-                  </a:txBody>
-                  <a:tcPr/>
-                </a:tc>
-                <a:tc>
-                  <a:txBody>
-                    <a:bodyPr/>
-                    <a:lstStyle/>
-                    <a:p>
-                      <a:r>
-                        <a:rPr lang="es-ES_tradnl" dirty="0"/>
-                        <a:t>INTEGER</a:t>
-                      </a:r>
-                    </a:p>
-                  </a:txBody>
-                  <a:tcPr/>
-                </a:tc>
-                <a:extLst>
-                  <a:ext uri="{0D108BD9-81ED-4DB2-BD59-A6C34878D82A}">
-                    <a16:rowId xmlns:a16="http://schemas.microsoft.com/office/drawing/2014/main" val="2773531725"/>
-                  </a:ext>
-                </a:extLst>
-              </a:tr>
-            </a:tbl>
-          </a:graphicData>
-        </a:graphic>
-      </p:graphicFrame>
-      <p:graphicFrame>
-        <p:nvGraphicFramePr>
-          <p:cNvPr id="2" name="Table 4">
-            <a:extLst>
-              <a:ext uri="{FF2B5EF4-FFF2-40B4-BE49-F238E27FC236}">
-                <a16:creationId xmlns:a16="http://schemas.microsoft.com/office/drawing/2014/main" id="{F2F818BC-489F-B327-33CF-05757F2E1A9C}"/>
-              </a:ext>
-            </a:extLst>
-          </p:cNvPr>
-          <p:cNvGraphicFramePr>
-            <a:graphicFrameLocks noGrp="1"/>
-          </p:cNvGraphicFramePr>
-          <p:nvPr>
-            <p:extLst>
-              <p:ext uri="{D42A27DB-BD31-4B8C-83A1-F6EECF244321}">
-                <p14:modId xmlns:p14="http://schemas.microsoft.com/office/powerpoint/2010/main" val="273742056"/>
-              </p:ext>
-            </p:extLst>
-          </p:nvPr>
-        </p:nvGraphicFramePr>
-        <p:xfrm>
-          <a:off x="4294768" y="1225678"/>
+          <a:off x="1739137" y="1764939"/>
           <a:ext cx="3238644" cy="3754310"/>
         </p:xfrm>
         <a:graphic>
